--- a/CPE Electives (1 - 3)/01. Lectures Notebook/000. Presentations & Text Books/01. Presentation Slides/06.01 Time Series Analysis.pptx
+++ b/CPE Electives (1 - 3)/01. Lectures Notebook/000. Presentations & Text Books/01. Presentation Slides/06.01 Time Series Analysis.pptx
@@ -255,7 +255,7 @@
           <a:p>
             <a:fld id="{3B6B94FD-5702-4F25-9A4D-07294FF3292C}" type="datetimeFigureOut">
               <a:rPr lang="en-PH" smtClean="0"/>
-              <a:t>16 Jan 2026</a:t>
+              <a:t>23 Jan 2026</a:t>
             </a:fld>
             <a:endParaRPr lang="en-PH"/>
           </a:p>
@@ -420,7 +420,7 @@
           <a:p>
             <a:fld id="{8365AC51-C568-4371-A28D-D14CF2BCF8BA}" type="datetimeFigureOut">
               <a:rPr lang="en-US" smtClean="0"/>
-              <a:t>1/16/2026</a:t>
+              <a:t>1/23/2026</a:t>
             </a:fld>
             <a:endParaRPr lang="en-US"/>
           </a:p>
